--- a/English/Presentation.pptx
+++ b/English/Presentation.pptx
@@ -22463,8 +22463,8 @@
           <a:lstStyle/>
           <a:p>
             <a:r>
-              <a:rPr lang="en-GB" dirty="0"/>
-              <a:t>Application features</a:t>
+              <a:rPr lang="en-GB"/>
+              <a:t>Features</a:t>
             </a:r>
             <a:endParaRPr lang="en-US" dirty="0"/>
           </a:p>
